--- a/Ez2BUY presentation.pptx
+++ b/Ez2BUY presentation.pptx
@@ -10968,7 +10968,7 @@
           <a:noFill/>
           <a:extLst>
             <a:ext uri="{909E8E84-426E-40dd-AFC4-6F175D3DCCD1}">
-              <a14:hiddenFill xmlns:a14="http://schemas.microsoft.com/office/drawing/2010/main" xmlns="">
+              <a14:hiddenFill xmlns="" xmlns:a14="http://schemas.microsoft.com/office/drawing/2010/main">
                 <a:solidFill>
                   <a:srgbClr val="FFFFFF"/>
                 </a:solidFill>
@@ -11027,7 +11027,7 @@
             </a:ln>
             <a:extLst>
               <a:ext uri="{91240B29-F687-4f45-9708-019B960494DF}">
-                <a14:hiddenLine xmlns:a14="http://schemas.microsoft.com/office/drawing/2010/main" xmlns="" w="9525">
+                <a14:hiddenLine xmlns="" xmlns:a14="http://schemas.microsoft.com/office/drawing/2010/main" w="9525">
                   <a:solidFill>
                     <a:srgbClr val="000000"/>
                   </a:solidFill>
@@ -11117,7 +11117,7 @@
             </a:ln>
             <a:extLst>
               <a:ext uri="{91240B29-F687-4f45-9708-019B960494DF}">
-                <a14:hiddenLine xmlns:a14="http://schemas.microsoft.com/office/drawing/2010/main" xmlns="" w="9525">
+                <a14:hiddenLine xmlns="" xmlns:a14="http://schemas.microsoft.com/office/drawing/2010/main" w="9525">
                   <a:solidFill>
                     <a:srgbClr val="000000"/>
                   </a:solidFill>
@@ -11207,7 +11207,7 @@
             </a:ln>
             <a:extLst>
               <a:ext uri="{91240B29-F687-4f45-9708-019B960494DF}">
-                <a14:hiddenLine xmlns:a14="http://schemas.microsoft.com/office/drawing/2010/main" xmlns="" w="9525">
+                <a14:hiddenLine xmlns="" xmlns:a14="http://schemas.microsoft.com/office/drawing/2010/main" w="9525">
                   <a:solidFill>
                     <a:srgbClr val="000000"/>
                   </a:solidFill>
@@ -11241,7 +11241,7 @@
             </a:ln>
             <a:extLst>
               <a:ext uri="{91240B29-F687-4f45-9708-019B960494DF}">
-                <a14:hiddenLine xmlns:a14="http://schemas.microsoft.com/office/drawing/2010/main" xmlns="" w="9525">
+                <a14:hiddenLine xmlns="" xmlns:a14="http://schemas.microsoft.com/office/drawing/2010/main" w="9525">
                   <a:solidFill>
                     <a:srgbClr val="000000"/>
                   </a:solidFill>
@@ -11331,7 +11331,7 @@
             </a:ln>
             <a:extLst>
               <a:ext uri="{91240B29-F687-4f45-9708-019B960494DF}">
-                <a14:hiddenLine xmlns:a14="http://schemas.microsoft.com/office/drawing/2010/main" xmlns="" w="9525">
+                <a14:hiddenLine xmlns="" xmlns:a14="http://schemas.microsoft.com/office/drawing/2010/main" w="9525">
                   <a:solidFill>
                     <a:srgbClr val="000000"/>
                   </a:solidFill>
@@ -11393,7 +11393,7 @@
             </a:ln>
             <a:extLst>
               <a:ext uri="{91240B29-F687-4f45-9708-019B960494DF}">
-                <a14:hiddenLine xmlns:a14="http://schemas.microsoft.com/office/drawing/2010/main" xmlns="" w="9525">
+                <a14:hiddenLine xmlns="" xmlns:a14="http://schemas.microsoft.com/office/drawing/2010/main" w="9525">
                   <a:solidFill>
                     <a:srgbClr val="000000"/>
                   </a:solidFill>
@@ -11455,7 +11455,7 @@
             </a:ln>
             <a:extLst>
               <a:ext uri="{91240B29-F687-4f45-9708-019B960494DF}">
-                <a14:hiddenLine xmlns:a14="http://schemas.microsoft.com/office/drawing/2010/main" xmlns="" w="9525">
+                <a14:hiddenLine xmlns="" xmlns:a14="http://schemas.microsoft.com/office/drawing/2010/main" w="9525">
                   <a:solidFill>
                     <a:srgbClr val="000000"/>
                   </a:solidFill>
@@ -11545,7 +11545,7 @@
             </a:ln>
             <a:extLst>
               <a:ext uri="{91240B29-F687-4f45-9708-019B960494DF}">
-                <a14:hiddenLine xmlns:a14="http://schemas.microsoft.com/office/drawing/2010/main" xmlns="" w="9525">
+                <a14:hiddenLine xmlns="" xmlns:a14="http://schemas.microsoft.com/office/drawing/2010/main" w="9525">
                   <a:solidFill>
                     <a:srgbClr val="000000"/>
                   </a:solidFill>
@@ -11607,7 +11607,7 @@
             </a:ln>
             <a:extLst>
               <a:ext uri="{91240B29-F687-4f45-9708-019B960494DF}">
-                <a14:hiddenLine xmlns:a14="http://schemas.microsoft.com/office/drawing/2010/main" xmlns="" w="9525">
+                <a14:hiddenLine xmlns="" xmlns:a14="http://schemas.microsoft.com/office/drawing/2010/main" w="9525">
                   <a:solidFill>
                     <a:srgbClr val="000000"/>
                   </a:solidFill>
@@ -11669,7 +11669,7 @@
             </a:ln>
             <a:extLst>
               <a:ext uri="{91240B29-F687-4f45-9708-019B960494DF}">
-                <a14:hiddenLine xmlns:a14="http://schemas.microsoft.com/office/drawing/2010/main" xmlns="" w="9525">
+                <a14:hiddenLine xmlns="" xmlns:a14="http://schemas.microsoft.com/office/drawing/2010/main" w="9525">
                   <a:solidFill>
                     <a:srgbClr val="000000"/>
                   </a:solidFill>
@@ -11759,7 +11759,7 @@
             </a:ln>
             <a:extLst>
               <a:ext uri="{91240B29-F687-4f45-9708-019B960494DF}">
-                <a14:hiddenLine xmlns:a14="http://schemas.microsoft.com/office/drawing/2010/main" xmlns="" w="9525">
+                <a14:hiddenLine xmlns="" xmlns:a14="http://schemas.microsoft.com/office/drawing/2010/main" w="9525">
                   <a:solidFill>
                     <a:srgbClr val="000000"/>
                   </a:solidFill>
@@ -11849,7 +11849,7 @@
             </a:ln>
             <a:extLst>
               <a:ext uri="{91240B29-F687-4f45-9708-019B960494DF}">
-                <a14:hiddenLine xmlns:a14="http://schemas.microsoft.com/office/drawing/2010/main" xmlns="" w="9525">
+                <a14:hiddenLine xmlns="" xmlns:a14="http://schemas.microsoft.com/office/drawing/2010/main" w="9525">
                   <a:solidFill>
                     <a:srgbClr val="000000"/>
                   </a:solidFill>
@@ -11911,7 +11911,7 @@
             </a:ln>
             <a:extLst>
               <a:ext uri="{91240B29-F687-4f45-9708-019B960494DF}">
-                <a14:hiddenLine xmlns:a14="http://schemas.microsoft.com/office/drawing/2010/main" xmlns="" w="9525">
+                <a14:hiddenLine xmlns="" xmlns:a14="http://schemas.microsoft.com/office/drawing/2010/main" w="9525">
                   <a:solidFill>
                     <a:srgbClr val="000000"/>
                   </a:solidFill>
@@ -12021,7 +12021,7 @@
             </a:ln>
             <a:extLst>
               <a:ext uri="{91240B29-F687-4f45-9708-019B960494DF}">
-                <a14:hiddenLine xmlns:a14="http://schemas.microsoft.com/office/drawing/2010/main" xmlns="" w="9525">
+                <a14:hiddenLine xmlns="" xmlns:a14="http://schemas.microsoft.com/office/drawing/2010/main" w="9525">
                   <a:solidFill>
                     <a:srgbClr val="000000"/>
                   </a:solidFill>
@@ -12083,7 +12083,7 @@
             </a:ln>
             <a:extLst>
               <a:ext uri="{91240B29-F687-4f45-9708-019B960494DF}">
-                <a14:hiddenLine xmlns:a14="http://schemas.microsoft.com/office/drawing/2010/main" xmlns="" w="9525">
+                <a14:hiddenLine xmlns="" xmlns:a14="http://schemas.microsoft.com/office/drawing/2010/main" w="9525">
                   <a:solidFill>
                     <a:srgbClr val="000000"/>
                   </a:solidFill>
@@ -12173,7 +12173,7 @@
             </a:ln>
             <a:extLst>
               <a:ext uri="{91240B29-F687-4f45-9708-019B960494DF}">
-                <a14:hiddenLine xmlns:a14="http://schemas.microsoft.com/office/drawing/2010/main" xmlns="" w="9525">
+                <a14:hiddenLine xmlns="" xmlns:a14="http://schemas.microsoft.com/office/drawing/2010/main" w="9525">
                   <a:solidFill>
                     <a:srgbClr val="000000"/>
                   </a:solidFill>
@@ -12263,7 +12263,7 @@
             </a:ln>
             <a:extLst>
               <a:ext uri="{91240B29-F687-4f45-9708-019B960494DF}">
-                <a14:hiddenLine xmlns:a14="http://schemas.microsoft.com/office/drawing/2010/main" xmlns="" w="9525">
+                <a14:hiddenLine xmlns="" xmlns:a14="http://schemas.microsoft.com/office/drawing/2010/main" w="9525">
                   <a:solidFill>
                     <a:srgbClr val="000000"/>
                   </a:solidFill>
@@ -12325,7 +12325,7 @@
             </a:ln>
             <a:extLst>
               <a:ext uri="{91240B29-F687-4f45-9708-019B960494DF}">
-                <a14:hiddenLine xmlns:a14="http://schemas.microsoft.com/office/drawing/2010/main" xmlns="" w="9525">
+                <a14:hiddenLine xmlns="" xmlns:a14="http://schemas.microsoft.com/office/drawing/2010/main" w="9525">
                   <a:solidFill>
                     <a:srgbClr val="000000"/>
                   </a:solidFill>
@@ -12415,7 +12415,7 @@
             </a:ln>
             <a:extLst>
               <a:ext uri="{91240B29-F687-4f45-9708-019B960494DF}">
-                <a14:hiddenLine xmlns:a14="http://schemas.microsoft.com/office/drawing/2010/main" xmlns="" w="9525">
+                <a14:hiddenLine xmlns="" xmlns:a14="http://schemas.microsoft.com/office/drawing/2010/main" w="9525">
                   <a:solidFill>
                     <a:srgbClr val="000000"/>
                   </a:solidFill>
@@ -12505,7 +12505,7 @@
             </a:ln>
             <a:extLst>
               <a:ext uri="{91240B29-F687-4f45-9708-019B960494DF}">
-                <a14:hiddenLine xmlns:a14="http://schemas.microsoft.com/office/drawing/2010/main" xmlns="" w="9525">
+                <a14:hiddenLine xmlns="" xmlns:a14="http://schemas.microsoft.com/office/drawing/2010/main" w="9525">
                   <a:solidFill>
                     <a:srgbClr val="000000"/>
                   </a:solidFill>
@@ -12561,7 +12561,7 @@
             </a:ln>
             <a:extLst>
               <a:ext uri="{91240B29-F687-4f45-9708-019B960494DF}">
-                <a14:hiddenLine xmlns:a14="http://schemas.microsoft.com/office/drawing/2010/main" xmlns="" w="9525">
+                <a14:hiddenLine xmlns="" xmlns:a14="http://schemas.microsoft.com/office/drawing/2010/main" w="9525">
                   <a:solidFill>
                     <a:srgbClr val="000000"/>
                   </a:solidFill>
@@ -12651,7 +12651,7 @@
             </a:ln>
             <a:extLst>
               <a:ext uri="{91240B29-F687-4f45-9708-019B960494DF}">
-                <a14:hiddenLine xmlns:a14="http://schemas.microsoft.com/office/drawing/2010/main" xmlns="" w="9525">
+                <a14:hiddenLine xmlns="" xmlns:a14="http://schemas.microsoft.com/office/drawing/2010/main" w="9525">
                   <a:solidFill>
                     <a:srgbClr val="000000"/>
                   </a:solidFill>
@@ -12707,7 +12707,7 @@
             </a:ln>
             <a:extLst>
               <a:ext uri="{91240B29-F687-4f45-9708-019B960494DF}">
-                <a14:hiddenLine xmlns:a14="http://schemas.microsoft.com/office/drawing/2010/main" xmlns="" w="9525">
+                <a14:hiddenLine xmlns="" xmlns:a14="http://schemas.microsoft.com/office/drawing/2010/main" w="9525">
                   <a:solidFill>
                     <a:srgbClr val="000000"/>
                   </a:solidFill>
@@ -12797,7 +12797,7 @@
             </a:ln>
             <a:extLst>
               <a:ext uri="{91240B29-F687-4f45-9708-019B960494DF}">
-                <a14:hiddenLine xmlns:a14="http://schemas.microsoft.com/office/drawing/2010/main" xmlns="" w="9525">
+                <a14:hiddenLine xmlns="" xmlns:a14="http://schemas.microsoft.com/office/drawing/2010/main" w="9525">
                   <a:solidFill>
                     <a:srgbClr val="000000"/>
                   </a:solidFill>
@@ -12865,7 +12865,7 @@
             </a:ln>
             <a:extLst>
               <a:ext uri="{91240B29-F687-4f45-9708-019B960494DF}">
-                <a14:hiddenLine xmlns:a14="http://schemas.microsoft.com/office/drawing/2010/main" xmlns="" w="9525">
+                <a14:hiddenLine xmlns="" xmlns:a14="http://schemas.microsoft.com/office/drawing/2010/main" w="9525">
                   <a:solidFill>
                     <a:srgbClr val="000000"/>
                   </a:solidFill>
@@ -12955,7 +12955,7 @@
             </a:ln>
             <a:extLst>
               <a:ext uri="{91240B29-F687-4f45-9708-019B960494DF}">
-                <a14:hiddenLine xmlns:a14="http://schemas.microsoft.com/office/drawing/2010/main" xmlns="" w="9525">
+                <a14:hiddenLine xmlns="" xmlns:a14="http://schemas.microsoft.com/office/drawing/2010/main" w="9525">
                   <a:solidFill>
                     <a:srgbClr val="000000"/>
                   </a:solidFill>
@@ -13023,7 +13023,7 @@
             </a:ln>
             <a:extLst>
               <a:ext uri="{91240B29-F687-4f45-9708-019B960494DF}">
-                <a14:hiddenLine xmlns:a14="http://schemas.microsoft.com/office/drawing/2010/main" xmlns="" w="9525">
+                <a14:hiddenLine xmlns="" xmlns:a14="http://schemas.microsoft.com/office/drawing/2010/main" w="9525">
                   <a:solidFill>
                     <a:srgbClr val="000000"/>
                   </a:solidFill>
@@ -13113,7 +13113,7 @@
             </a:ln>
             <a:extLst>
               <a:ext uri="{91240B29-F687-4f45-9708-019B960494DF}">
-                <a14:hiddenLine xmlns:a14="http://schemas.microsoft.com/office/drawing/2010/main" xmlns="" w="9525">
+                <a14:hiddenLine xmlns="" xmlns:a14="http://schemas.microsoft.com/office/drawing/2010/main" w="9525">
                   <a:solidFill>
                     <a:srgbClr val="000000"/>
                   </a:solidFill>
@@ -13147,7 +13147,7 @@
             </a:ln>
             <a:extLst>
               <a:ext uri="{91240B29-F687-4f45-9708-019B960494DF}">
-                <a14:hiddenLine xmlns:a14="http://schemas.microsoft.com/office/drawing/2010/main" xmlns="" w="9525">
+                <a14:hiddenLine xmlns="" xmlns:a14="http://schemas.microsoft.com/office/drawing/2010/main" w="9525">
                   <a:solidFill>
                     <a:srgbClr val="000000"/>
                   </a:solidFill>
@@ -13237,7 +13237,7 @@
             </a:ln>
             <a:extLst>
               <a:ext uri="{91240B29-F687-4f45-9708-019B960494DF}">
-                <a14:hiddenLine xmlns:a14="http://schemas.microsoft.com/office/drawing/2010/main" xmlns="" w="9525">
+                <a14:hiddenLine xmlns="" xmlns:a14="http://schemas.microsoft.com/office/drawing/2010/main" w="9525">
                   <a:solidFill>
                     <a:srgbClr val="000000"/>
                   </a:solidFill>
@@ -13299,7 +13299,7 @@
             </a:ln>
             <a:extLst>
               <a:ext uri="{91240B29-F687-4f45-9708-019B960494DF}">
-                <a14:hiddenLine xmlns:a14="http://schemas.microsoft.com/office/drawing/2010/main" xmlns="" w="9525">
+                <a14:hiddenLine xmlns="" xmlns:a14="http://schemas.microsoft.com/office/drawing/2010/main" w="9525">
                   <a:solidFill>
                     <a:srgbClr val="000000"/>
                   </a:solidFill>
@@ -13361,7 +13361,7 @@
             </a:ln>
             <a:extLst>
               <a:ext uri="{91240B29-F687-4f45-9708-019B960494DF}">
-                <a14:hiddenLine xmlns:a14="http://schemas.microsoft.com/office/drawing/2010/main" xmlns="" w="9525">
+                <a14:hiddenLine xmlns="" xmlns:a14="http://schemas.microsoft.com/office/drawing/2010/main" w="9525">
                   <a:solidFill>
                     <a:srgbClr val="000000"/>
                   </a:solidFill>
@@ -13451,7 +13451,7 @@
             </a:ln>
             <a:extLst>
               <a:ext uri="{91240B29-F687-4f45-9708-019B960494DF}">
-                <a14:hiddenLine xmlns:a14="http://schemas.microsoft.com/office/drawing/2010/main" xmlns="" w="9525">
+                <a14:hiddenLine xmlns="" xmlns:a14="http://schemas.microsoft.com/office/drawing/2010/main" w="9525">
                   <a:solidFill>
                     <a:srgbClr val="000000"/>
                   </a:solidFill>
@@ -13519,7 +13519,7 @@
             </a:ln>
             <a:extLst>
               <a:ext uri="{91240B29-F687-4f45-9708-019B960494DF}">
-                <a14:hiddenLine xmlns:a14="http://schemas.microsoft.com/office/drawing/2010/main" xmlns="" w="9525">
+                <a14:hiddenLine xmlns="" xmlns:a14="http://schemas.microsoft.com/office/drawing/2010/main" w="9525">
                   <a:solidFill>
                     <a:srgbClr val="000000"/>
                   </a:solidFill>
@@ -13581,7 +13581,7 @@
             </a:ln>
             <a:extLst>
               <a:ext uri="{91240B29-F687-4f45-9708-019B960494DF}">
-                <a14:hiddenLine xmlns:a14="http://schemas.microsoft.com/office/drawing/2010/main" xmlns="" w="9525">
+                <a14:hiddenLine xmlns="" xmlns:a14="http://schemas.microsoft.com/office/drawing/2010/main" w="9525">
                   <a:solidFill>
                     <a:srgbClr val="000000"/>
                   </a:solidFill>
@@ -13671,7 +13671,7 @@
             </a:ln>
             <a:extLst>
               <a:ext uri="{91240B29-F687-4f45-9708-019B960494DF}">
-                <a14:hiddenLine xmlns:a14="http://schemas.microsoft.com/office/drawing/2010/main" xmlns="" w="9525">
+                <a14:hiddenLine xmlns="" xmlns:a14="http://schemas.microsoft.com/office/drawing/2010/main" w="9525">
                   <a:solidFill>
                     <a:srgbClr val="000000"/>
                   </a:solidFill>
@@ -13733,7 +13733,7 @@
             </a:ln>
             <a:extLst>
               <a:ext uri="{91240B29-F687-4f45-9708-019B960494DF}">
-                <a14:hiddenLine xmlns:a14="http://schemas.microsoft.com/office/drawing/2010/main" xmlns="" w="9525">
+                <a14:hiddenLine xmlns="" xmlns:a14="http://schemas.microsoft.com/office/drawing/2010/main" w="9525">
                   <a:solidFill>
                     <a:srgbClr val="000000"/>
                   </a:solidFill>
@@ -13823,7 +13823,7 @@
             </a:ln>
             <a:extLst>
               <a:ext uri="{91240B29-F687-4f45-9708-019B960494DF}">
-                <a14:hiddenLine xmlns:a14="http://schemas.microsoft.com/office/drawing/2010/main" xmlns="" w="9525">
+                <a14:hiddenLine xmlns="" xmlns:a14="http://schemas.microsoft.com/office/drawing/2010/main" w="9525">
                   <a:solidFill>
                     <a:srgbClr val="000000"/>
                   </a:solidFill>
@@ -13885,7 +13885,7 @@
             </a:ln>
             <a:extLst>
               <a:ext uri="{91240B29-F687-4f45-9708-019B960494DF}">
-                <a14:hiddenLine xmlns:a14="http://schemas.microsoft.com/office/drawing/2010/main" xmlns="" w="9525">
+                <a14:hiddenLine xmlns="" xmlns:a14="http://schemas.microsoft.com/office/drawing/2010/main" w="9525">
                   <a:solidFill>
                     <a:srgbClr val="000000"/>
                   </a:solidFill>
@@ -13975,7 +13975,7 @@
             </a:ln>
             <a:extLst>
               <a:ext uri="{91240B29-F687-4f45-9708-019B960494DF}">
-                <a14:hiddenLine xmlns:a14="http://schemas.microsoft.com/office/drawing/2010/main" xmlns="" w="9525">
+                <a14:hiddenLine xmlns="" xmlns:a14="http://schemas.microsoft.com/office/drawing/2010/main" w="9525">
                   <a:solidFill>
                     <a:srgbClr val="000000"/>
                   </a:solidFill>
@@ -14009,7 +14009,7 @@
             </a:ln>
             <a:extLst>
               <a:ext uri="{91240B29-F687-4f45-9708-019B960494DF}">
-                <a14:hiddenLine xmlns:a14="http://schemas.microsoft.com/office/drawing/2010/main" xmlns="" w="9525">
+                <a14:hiddenLine xmlns="" xmlns:a14="http://schemas.microsoft.com/office/drawing/2010/main" w="9525">
                   <a:solidFill>
                     <a:srgbClr val="000000"/>
                   </a:solidFill>
@@ -14074,7 +14074,7 @@
             </a:ln>
             <a:extLst>
               <a:ext uri="{91240B29-F687-4f45-9708-019B960494DF}">
-                <a14:hiddenLine xmlns:a14="http://schemas.microsoft.com/office/drawing/2010/main" xmlns="" w="9525">
+                <a14:hiddenLine xmlns="" xmlns:a14="http://schemas.microsoft.com/office/drawing/2010/main" w="9525">
                   <a:solidFill>
                     <a:srgbClr val="000000"/>
                   </a:solidFill>
@@ -14164,7 +14164,7 @@
             </a:ln>
             <a:extLst>
               <a:ext uri="{91240B29-F687-4f45-9708-019B960494DF}">
-                <a14:hiddenLine xmlns:a14="http://schemas.microsoft.com/office/drawing/2010/main" xmlns="" w="9525">
+                <a14:hiddenLine xmlns="" xmlns:a14="http://schemas.microsoft.com/office/drawing/2010/main" w="9525">
                   <a:solidFill>
                     <a:srgbClr val="000000"/>
                   </a:solidFill>
@@ -14226,7 +14226,7 @@
             </a:ln>
             <a:extLst>
               <a:ext uri="{91240B29-F687-4f45-9708-019B960494DF}">
-                <a14:hiddenLine xmlns:a14="http://schemas.microsoft.com/office/drawing/2010/main" xmlns="" w="9525">
+                <a14:hiddenLine xmlns="" xmlns:a14="http://schemas.microsoft.com/office/drawing/2010/main" w="9525">
                   <a:solidFill>
                     <a:srgbClr val="000000"/>
                   </a:solidFill>
@@ -14316,7 +14316,7 @@
             </a:ln>
             <a:extLst>
               <a:ext uri="{91240B29-F687-4f45-9708-019B960494DF}">
-                <a14:hiddenLine xmlns:a14="http://schemas.microsoft.com/office/drawing/2010/main" xmlns="" w="9525">
+                <a14:hiddenLine xmlns="" xmlns:a14="http://schemas.microsoft.com/office/drawing/2010/main" w="9525">
                   <a:solidFill>
                     <a:srgbClr val="000000"/>
                   </a:solidFill>
@@ -14406,7 +14406,7 @@
             </a:ln>
             <a:extLst>
               <a:ext uri="{91240B29-F687-4f45-9708-019B960494DF}">
-                <a14:hiddenLine xmlns:a14="http://schemas.microsoft.com/office/drawing/2010/main" xmlns="" w="9525">
+                <a14:hiddenLine xmlns="" xmlns:a14="http://schemas.microsoft.com/office/drawing/2010/main" w="9525">
                   <a:solidFill>
                     <a:srgbClr val="000000"/>
                   </a:solidFill>
@@ -14471,7 +14471,7 @@
             </a:ln>
             <a:extLst>
               <a:ext uri="{91240B29-F687-4f45-9708-019B960494DF}">
-                <a14:hiddenLine xmlns:a14="http://schemas.microsoft.com/office/drawing/2010/main" xmlns="" w="9525">
+                <a14:hiddenLine xmlns="" xmlns:a14="http://schemas.microsoft.com/office/drawing/2010/main" w="9525">
                   <a:solidFill>
                     <a:srgbClr val="000000"/>
                   </a:solidFill>
@@ -14533,7 +14533,7 @@
             </a:ln>
             <a:extLst>
               <a:ext uri="{91240B29-F687-4f45-9708-019B960494DF}">
-                <a14:hiddenLine xmlns:a14="http://schemas.microsoft.com/office/drawing/2010/main" xmlns="" w="9525">
+                <a14:hiddenLine xmlns="" xmlns:a14="http://schemas.microsoft.com/office/drawing/2010/main" w="9525">
                   <a:solidFill>
                     <a:srgbClr val="000000"/>
                   </a:solidFill>
@@ -14623,7 +14623,7 @@
             </a:ln>
             <a:extLst>
               <a:ext uri="{91240B29-F687-4f45-9708-019B960494DF}">
-                <a14:hiddenLine xmlns:a14="http://schemas.microsoft.com/office/drawing/2010/main" xmlns="" w="9525">
+                <a14:hiddenLine xmlns="" xmlns:a14="http://schemas.microsoft.com/office/drawing/2010/main" w="9525">
                   <a:solidFill>
                     <a:srgbClr val="000000"/>
                   </a:solidFill>
@@ -14713,7 +14713,7 @@
             </a:ln>
             <a:extLst>
               <a:ext uri="{91240B29-F687-4f45-9708-019B960494DF}">
-                <a14:hiddenLine xmlns:a14="http://schemas.microsoft.com/office/drawing/2010/main" xmlns="" w="9525">
+                <a14:hiddenLine xmlns="" xmlns:a14="http://schemas.microsoft.com/office/drawing/2010/main" w="9525">
                   <a:solidFill>
                     <a:srgbClr val="000000"/>
                   </a:solidFill>
@@ -14775,7 +14775,7 @@
             </a:ln>
             <a:extLst>
               <a:ext uri="{91240B29-F687-4f45-9708-019B960494DF}">
-                <a14:hiddenLine xmlns:a14="http://schemas.microsoft.com/office/drawing/2010/main" xmlns="" w="9525">
+                <a14:hiddenLine xmlns="" xmlns:a14="http://schemas.microsoft.com/office/drawing/2010/main" w="9525">
                   <a:solidFill>
                     <a:srgbClr val="000000"/>
                   </a:solidFill>
@@ -14895,7 +14895,7 @@
             </a:ln>
             <a:extLst>
               <a:ext uri="{91240B29-F687-4f45-9708-019B960494DF}">
-                <a14:hiddenLine xmlns:a14="http://schemas.microsoft.com/office/drawing/2010/main" xmlns="" w="9525">
+                <a14:hiddenLine xmlns="" xmlns:a14="http://schemas.microsoft.com/office/drawing/2010/main" w="9525">
                   <a:solidFill>
                     <a:srgbClr val="000000"/>
                   </a:solidFill>
@@ -14963,7 +14963,7 @@
             </a:ln>
             <a:extLst>
               <a:ext uri="{91240B29-F687-4f45-9708-019B960494DF}">
-                <a14:hiddenLine xmlns:a14="http://schemas.microsoft.com/office/drawing/2010/main" xmlns="" w="9525">
+                <a14:hiddenLine xmlns="" xmlns:a14="http://schemas.microsoft.com/office/drawing/2010/main" w="9525">
                   <a:solidFill>
                     <a:srgbClr val="000000"/>
                   </a:solidFill>
@@ -15053,7 +15053,7 @@
             </a:ln>
             <a:extLst>
               <a:ext uri="{91240B29-F687-4f45-9708-019B960494DF}">
-                <a14:hiddenLine xmlns:a14="http://schemas.microsoft.com/office/drawing/2010/main" xmlns="" w="9525">
+                <a14:hiddenLine xmlns="" xmlns:a14="http://schemas.microsoft.com/office/drawing/2010/main" w="9525">
                   <a:solidFill>
                     <a:srgbClr val="000000"/>
                   </a:solidFill>
@@ -19963,7 +19963,7 @@
           <a:noFill/>
           <a:extLst>
             <a:ext uri="{909E8E84-426E-40dd-AFC4-6F175D3DCCD1}">
-              <a14:hiddenFill xmlns:a14="http://schemas.microsoft.com/office/drawing/2010/main" xmlns="">
+              <a14:hiddenFill xmlns="" xmlns:a14="http://schemas.microsoft.com/office/drawing/2010/main">
                 <a:solidFill>
                   <a:srgbClr val="FFFFFF"/>
                 </a:solidFill>
@@ -20037,7 +20037,7 @@
               </a:ln>
               <a:extLst>
                 <a:ext uri="{91240B29-F687-4f45-9708-019B960494DF}">
-                  <a14:hiddenLine xmlns:a14="http://schemas.microsoft.com/office/drawing/2010/main" xmlns="" w="9525">
+                  <a14:hiddenLine xmlns="" xmlns:a14="http://schemas.microsoft.com/office/drawing/2010/main" w="9525">
                     <a:solidFill>
                       <a:srgbClr val="000000"/>
                     </a:solidFill>
@@ -20127,7 +20127,7 @@
               </a:ln>
               <a:extLst>
                 <a:ext uri="{91240B29-F687-4f45-9708-019B960494DF}">
-                  <a14:hiddenLine xmlns:a14="http://schemas.microsoft.com/office/drawing/2010/main" xmlns="" w="9525">
+                  <a14:hiddenLine xmlns="" xmlns:a14="http://schemas.microsoft.com/office/drawing/2010/main" w="9525">
                     <a:solidFill>
                       <a:srgbClr val="000000"/>
                     </a:solidFill>
@@ -20217,7 +20217,7 @@
               </a:ln>
               <a:extLst>
                 <a:ext uri="{91240B29-F687-4f45-9708-019B960494DF}">
-                  <a14:hiddenLine xmlns:a14="http://schemas.microsoft.com/office/drawing/2010/main" xmlns="" w="9525">
+                  <a14:hiddenLine xmlns="" xmlns:a14="http://schemas.microsoft.com/office/drawing/2010/main" w="9525">
                     <a:solidFill>
                       <a:srgbClr val="000000"/>
                     </a:solidFill>
@@ -20279,7 +20279,7 @@
               </a:ln>
               <a:extLst>
                 <a:ext uri="{91240B29-F687-4f45-9708-019B960494DF}">
-                  <a14:hiddenLine xmlns:a14="http://schemas.microsoft.com/office/drawing/2010/main" xmlns="" w="9525">
+                  <a14:hiddenLine xmlns="" xmlns:a14="http://schemas.microsoft.com/office/drawing/2010/main" w="9525">
                     <a:solidFill>
                       <a:srgbClr val="000000"/>
                     </a:solidFill>
@@ -20369,7 +20369,7 @@
               </a:ln>
               <a:extLst>
                 <a:ext uri="{91240B29-F687-4f45-9708-019B960494DF}">
-                  <a14:hiddenLine xmlns:a14="http://schemas.microsoft.com/office/drawing/2010/main" xmlns="" w="9525">
+                  <a14:hiddenLine xmlns="" xmlns:a14="http://schemas.microsoft.com/office/drawing/2010/main" w="9525">
                     <a:solidFill>
                       <a:srgbClr val="000000"/>
                     </a:solidFill>
@@ -20431,7 +20431,7 @@
               </a:ln>
               <a:extLst>
                 <a:ext uri="{91240B29-F687-4f45-9708-019B960494DF}">
-                  <a14:hiddenLine xmlns:a14="http://schemas.microsoft.com/office/drawing/2010/main" xmlns="" w="9525">
+                  <a14:hiddenLine xmlns="" xmlns:a14="http://schemas.microsoft.com/office/drawing/2010/main" w="9525">
                     <a:solidFill>
                       <a:srgbClr val="000000"/>
                     </a:solidFill>
@@ -20493,7 +20493,7 @@
               </a:ln>
               <a:extLst>
                 <a:ext uri="{91240B29-F687-4f45-9708-019B960494DF}">
-                  <a14:hiddenLine xmlns:a14="http://schemas.microsoft.com/office/drawing/2010/main" xmlns="" w="9525">
+                  <a14:hiddenLine xmlns="" xmlns:a14="http://schemas.microsoft.com/office/drawing/2010/main" w="9525">
                     <a:solidFill>
                       <a:srgbClr val="000000"/>
                     </a:solidFill>
@@ -20583,7 +20583,7 @@
               </a:ln>
               <a:extLst>
                 <a:ext uri="{91240B29-F687-4f45-9708-019B960494DF}">
-                  <a14:hiddenLine xmlns:a14="http://schemas.microsoft.com/office/drawing/2010/main" xmlns="" w="9525">
+                  <a14:hiddenLine xmlns="" xmlns:a14="http://schemas.microsoft.com/office/drawing/2010/main" w="9525">
                     <a:solidFill>
                       <a:srgbClr val="000000"/>
                     </a:solidFill>
@@ -20673,7 +20673,7 @@
               </a:ln>
               <a:extLst>
                 <a:ext uri="{91240B29-F687-4f45-9708-019B960494DF}">
-                  <a14:hiddenLine xmlns:a14="http://schemas.microsoft.com/office/drawing/2010/main" xmlns="" w="9525">
+                  <a14:hiddenLine xmlns="" xmlns:a14="http://schemas.microsoft.com/office/drawing/2010/main" w="9525">
                     <a:solidFill>
                       <a:srgbClr val="000000"/>
                     </a:solidFill>
@@ -20735,7 +20735,7 @@
               </a:ln>
               <a:extLst>
                 <a:ext uri="{91240B29-F687-4f45-9708-019B960494DF}">
-                  <a14:hiddenLine xmlns:a14="http://schemas.microsoft.com/office/drawing/2010/main" xmlns="" w="9525">
+                  <a14:hiddenLine xmlns="" xmlns:a14="http://schemas.microsoft.com/office/drawing/2010/main" w="9525">
                     <a:solidFill>
                       <a:srgbClr val="000000"/>
                     </a:solidFill>
@@ -20845,7 +20845,7 @@
               </a:ln>
               <a:extLst>
                 <a:ext uri="{91240B29-F687-4f45-9708-019B960494DF}">
-                  <a14:hiddenLine xmlns:a14="http://schemas.microsoft.com/office/drawing/2010/main" xmlns="" w="9525">
+                  <a14:hiddenLine xmlns="" xmlns:a14="http://schemas.microsoft.com/office/drawing/2010/main" w="9525">
                     <a:solidFill>
                       <a:srgbClr val="000000"/>
                     </a:solidFill>
@@ -20929,7 +20929,7 @@
               </a:ln>
               <a:extLst>
                 <a:ext uri="{91240B29-F687-4f45-9708-019B960494DF}">
-                  <a14:hiddenLine xmlns:a14="http://schemas.microsoft.com/office/drawing/2010/main" xmlns="" w="9525">
+                  <a14:hiddenLine xmlns="" xmlns:a14="http://schemas.microsoft.com/office/drawing/2010/main" w="9525">
                     <a:solidFill>
                       <a:srgbClr val="000000"/>
                     </a:solidFill>
@@ -20991,7 +20991,7 @@
               </a:ln>
               <a:extLst>
                 <a:ext uri="{91240B29-F687-4f45-9708-019B960494DF}">
-                  <a14:hiddenLine xmlns:a14="http://schemas.microsoft.com/office/drawing/2010/main" xmlns="" w="9525">
+                  <a14:hiddenLine xmlns="" xmlns:a14="http://schemas.microsoft.com/office/drawing/2010/main" w="9525">
                     <a:solidFill>
                       <a:srgbClr val="000000"/>
                     </a:solidFill>
@@ -21053,7 +21053,7 @@
               </a:ln>
               <a:extLst>
                 <a:ext uri="{91240B29-F687-4f45-9708-019B960494DF}">
-                  <a14:hiddenLine xmlns:a14="http://schemas.microsoft.com/office/drawing/2010/main" xmlns="" w="9525">
+                  <a14:hiddenLine xmlns="" xmlns:a14="http://schemas.microsoft.com/office/drawing/2010/main" w="9525">
                     <a:solidFill>
                       <a:srgbClr val="000000"/>
                     </a:solidFill>
@@ -21143,7 +21143,7 @@
               </a:ln>
               <a:extLst>
                 <a:ext uri="{91240B29-F687-4f45-9708-019B960494DF}">
-                  <a14:hiddenLine xmlns:a14="http://schemas.microsoft.com/office/drawing/2010/main" xmlns="" w="9525">
+                  <a14:hiddenLine xmlns="" xmlns:a14="http://schemas.microsoft.com/office/drawing/2010/main" w="9525">
                     <a:solidFill>
                       <a:srgbClr val="000000"/>
                     </a:solidFill>
@@ -21177,7 +21177,7 @@
               </a:ln>
               <a:extLst>
                 <a:ext uri="{91240B29-F687-4f45-9708-019B960494DF}">
-                  <a14:hiddenLine xmlns:a14="http://schemas.microsoft.com/office/drawing/2010/main" xmlns="" w="9525">
+                  <a14:hiddenLine xmlns="" xmlns:a14="http://schemas.microsoft.com/office/drawing/2010/main" w="9525">
                     <a:solidFill>
                       <a:srgbClr val="000000"/>
                     </a:solidFill>
@@ -21242,7 +21242,7 @@
               </a:ln>
               <a:extLst>
                 <a:ext uri="{91240B29-F687-4f45-9708-019B960494DF}">
-                  <a14:hiddenLine xmlns:a14="http://schemas.microsoft.com/office/drawing/2010/main" xmlns="" w="9525">
+                  <a14:hiddenLine xmlns="" xmlns:a14="http://schemas.microsoft.com/office/drawing/2010/main" w="9525">
                     <a:solidFill>
                       <a:srgbClr val="000000"/>
                     </a:solidFill>
@@ -21332,7 +21332,7 @@
               </a:ln>
               <a:extLst>
                 <a:ext uri="{91240B29-F687-4f45-9708-019B960494DF}">
-                  <a14:hiddenLine xmlns:a14="http://schemas.microsoft.com/office/drawing/2010/main" xmlns="" w="9525">
+                  <a14:hiddenLine xmlns="" xmlns:a14="http://schemas.microsoft.com/office/drawing/2010/main" w="9525">
                     <a:solidFill>
                       <a:srgbClr val="000000"/>
                     </a:solidFill>
@@ -21394,7 +21394,7 @@
               </a:ln>
               <a:extLst>
                 <a:ext uri="{91240B29-F687-4f45-9708-019B960494DF}">
-                  <a14:hiddenLine xmlns:a14="http://schemas.microsoft.com/office/drawing/2010/main" xmlns="" w="9525">
+                  <a14:hiddenLine xmlns="" xmlns:a14="http://schemas.microsoft.com/office/drawing/2010/main" w="9525">
                     <a:solidFill>
                       <a:srgbClr val="000000"/>
                     </a:solidFill>
@@ -21484,7 +21484,7 @@
               </a:ln>
               <a:extLst>
                 <a:ext uri="{91240B29-F687-4f45-9708-019B960494DF}">
-                  <a14:hiddenLine xmlns:a14="http://schemas.microsoft.com/office/drawing/2010/main" xmlns="" w="9525">
+                  <a14:hiddenLine xmlns="" xmlns:a14="http://schemas.microsoft.com/office/drawing/2010/main" w="9525">
                     <a:solidFill>
                       <a:srgbClr val="000000"/>
                     </a:solidFill>
@@ -21549,7 +21549,7 @@
               </a:ln>
               <a:extLst>
                 <a:ext uri="{91240B29-F687-4f45-9708-019B960494DF}">
-                  <a14:hiddenLine xmlns:a14="http://schemas.microsoft.com/office/drawing/2010/main" xmlns="" w="9525">
+                  <a14:hiddenLine xmlns="" xmlns:a14="http://schemas.microsoft.com/office/drawing/2010/main" w="9525">
                     <a:solidFill>
                       <a:srgbClr val="000000"/>
                     </a:solidFill>
@@ -21611,7 +21611,7 @@
               </a:ln>
               <a:extLst>
                 <a:ext uri="{91240B29-F687-4f45-9708-019B960494DF}">
-                  <a14:hiddenLine xmlns:a14="http://schemas.microsoft.com/office/drawing/2010/main" xmlns="" w="9525">
+                  <a14:hiddenLine xmlns="" xmlns:a14="http://schemas.microsoft.com/office/drawing/2010/main" w="9525">
                     <a:solidFill>
                       <a:srgbClr val="000000"/>
                     </a:solidFill>
@@ -21701,7 +21701,7 @@
               </a:ln>
               <a:extLst>
                 <a:ext uri="{91240B29-F687-4f45-9708-019B960494DF}">
-                  <a14:hiddenLine xmlns:a14="http://schemas.microsoft.com/office/drawing/2010/main" xmlns="" w="9525">
+                  <a14:hiddenLine xmlns="" xmlns:a14="http://schemas.microsoft.com/office/drawing/2010/main" w="9525">
                     <a:solidFill>
                       <a:srgbClr val="000000"/>
                     </a:solidFill>
@@ -21791,7 +21791,7 @@
               </a:ln>
               <a:extLst>
                 <a:ext uri="{91240B29-F687-4f45-9708-019B960494DF}">
-                  <a14:hiddenLine xmlns:a14="http://schemas.microsoft.com/office/drawing/2010/main" xmlns="" w="9525">
+                  <a14:hiddenLine xmlns="" xmlns:a14="http://schemas.microsoft.com/office/drawing/2010/main" w="9525">
                     <a:solidFill>
                       <a:srgbClr val="000000"/>
                     </a:solidFill>
@@ -21856,7 +21856,7 @@
               </a:ln>
               <a:extLst>
                 <a:ext uri="{91240B29-F687-4f45-9708-019B960494DF}">
-                  <a14:hiddenLine xmlns:a14="http://schemas.microsoft.com/office/drawing/2010/main" xmlns="" w="9525">
+                  <a14:hiddenLine xmlns="" xmlns:a14="http://schemas.microsoft.com/office/drawing/2010/main" w="9525">
                     <a:solidFill>
                       <a:srgbClr val="000000"/>
                     </a:solidFill>
@@ -21976,7 +21976,7 @@
               </a:ln>
               <a:extLst>
                 <a:ext uri="{91240B29-F687-4f45-9708-019B960494DF}">
-                  <a14:hiddenLine xmlns:a14="http://schemas.microsoft.com/office/drawing/2010/main" xmlns="" w="9525">
+                  <a14:hiddenLine xmlns="" xmlns:a14="http://schemas.microsoft.com/office/drawing/2010/main" w="9525">
                     <a:solidFill>
                       <a:srgbClr val="000000"/>
                     </a:solidFill>
@@ -22057,7 +22057,7 @@
               </a:ln>
               <a:extLst>
                 <a:ext uri="{91240B29-F687-4f45-9708-019B960494DF}">
-                  <a14:hiddenLine xmlns:a14="http://schemas.microsoft.com/office/drawing/2010/main" xmlns="" w="9525">
+                  <a14:hiddenLine xmlns="" xmlns:a14="http://schemas.microsoft.com/office/drawing/2010/main" w="9525">
                     <a:solidFill>
                       <a:srgbClr val="000000"/>
                     </a:solidFill>
@@ -22172,7 +22172,7 @@
               </a:ln>
               <a:extLst>
                 <a:ext uri="{91240B29-F687-4f45-9708-019B960494DF}">
-                  <a14:hiddenLine xmlns:a14="http://schemas.microsoft.com/office/drawing/2010/main" xmlns="" w="9525">
+                  <a14:hiddenLine xmlns="" xmlns:a14="http://schemas.microsoft.com/office/drawing/2010/main" w="9525">
                     <a:solidFill>
                       <a:srgbClr val="000000"/>
                     </a:solidFill>
@@ -22262,7 +22262,7 @@
               </a:ln>
               <a:extLst>
                 <a:ext uri="{91240B29-F687-4f45-9708-019B960494DF}">
-                  <a14:hiddenLine xmlns:a14="http://schemas.microsoft.com/office/drawing/2010/main" xmlns="" w="9525">
+                  <a14:hiddenLine xmlns="" xmlns:a14="http://schemas.microsoft.com/office/drawing/2010/main" w="9525">
                     <a:solidFill>
                       <a:srgbClr val="000000"/>
                     </a:solidFill>
@@ -22327,7 +22327,7 @@
               </a:ln>
               <a:extLst>
                 <a:ext uri="{91240B29-F687-4f45-9708-019B960494DF}">
-                  <a14:hiddenLine xmlns:a14="http://schemas.microsoft.com/office/drawing/2010/main" xmlns="" w="9525">
+                  <a14:hiddenLine xmlns="" xmlns:a14="http://schemas.microsoft.com/office/drawing/2010/main" w="9525">
                     <a:solidFill>
                       <a:srgbClr val="000000"/>
                     </a:solidFill>
@@ -22417,7 +22417,7 @@
               </a:ln>
               <a:extLst>
                 <a:ext uri="{91240B29-F687-4f45-9708-019B960494DF}">
-                  <a14:hiddenLine xmlns:a14="http://schemas.microsoft.com/office/drawing/2010/main" xmlns="" w="9525">
+                  <a14:hiddenLine xmlns="" xmlns:a14="http://schemas.microsoft.com/office/drawing/2010/main" w="9525">
                     <a:solidFill>
                       <a:srgbClr val="000000"/>
                     </a:solidFill>
@@ -22485,7 +22485,7 @@
               </a:ln>
               <a:extLst>
                 <a:ext uri="{91240B29-F687-4f45-9708-019B960494DF}">
-                  <a14:hiddenLine xmlns:a14="http://schemas.microsoft.com/office/drawing/2010/main" xmlns="" w="9525">
+                  <a14:hiddenLine xmlns="" xmlns:a14="http://schemas.microsoft.com/office/drawing/2010/main" w="9525">
                     <a:solidFill>
                       <a:srgbClr val="000000"/>
                     </a:solidFill>
@@ -22575,7 +22575,7 @@
               </a:ln>
               <a:extLst>
                 <a:ext uri="{91240B29-F687-4f45-9708-019B960494DF}">
-                  <a14:hiddenLine xmlns:a14="http://schemas.microsoft.com/office/drawing/2010/main" xmlns="" w="9525">
+                  <a14:hiddenLine xmlns="" xmlns:a14="http://schemas.microsoft.com/office/drawing/2010/main" w="9525">
                     <a:solidFill>
                       <a:srgbClr val="000000"/>
                     </a:solidFill>
@@ -22643,7 +22643,7 @@
               </a:ln>
               <a:extLst>
                 <a:ext uri="{91240B29-F687-4f45-9708-019B960494DF}">
-                  <a14:hiddenLine xmlns:a14="http://schemas.microsoft.com/office/drawing/2010/main" xmlns="" w="9525">
+                  <a14:hiddenLine xmlns="" xmlns:a14="http://schemas.microsoft.com/office/drawing/2010/main" w="9525">
                     <a:solidFill>
                       <a:srgbClr val="000000"/>
                     </a:solidFill>
@@ -22733,7 +22733,7 @@
               </a:ln>
               <a:extLst>
                 <a:ext uri="{91240B29-F687-4f45-9708-019B960494DF}">
-                  <a14:hiddenLine xmlns:a14="http://schemas.microsoft.com/office/drawing/2010/main" xmlns="" w="9525">
+                  <a14:hiddenLine xmlns="" xmlns:a14="http://schemas.microsoft.com/office/drawing/2010/main" w="9525">
                     <a:solidFill>
                       <a:srgbClr val="000000"/>
                     </a:solidFill>
@@ -22767,7 +22767,7 @@
               </a:ln>
               <a:extLst>
                 <a:ext uri="{91240B29-F687-4f45-9708-019B960494DF}">
-                  <a14:hiddenLine xmlns:a14="http://schemas.microsoft.com/office/drawing/2010/main" xmlns="" w="9525">
+                  <a14:hiddenLine xmlns="" xmlns:a14="http://schemas.microsoft.com/office/drawing/2010/main" w="9525">
                     <a:solidFill>
                       <a:srgbClr val="000000"/>
                     </a:solidFill>
@@ -26780,8 +26780,8 @@
         </p:nvSpPr>
         <p:spPr>
           <a:xfrm>
-            <a:off x="1132445" y="665962"/>
-            <a:ext cx="7948800" cy="901213"/>
+            <a:off x="1132444" y="665962"/>
+            <a:ext cx="9159037" cy="901213"/>
           </a:xfrm>
           <a:prstGeom prst="roundRect">
             <a:avLst/>
@@ -26822,7 +26822,7 @@
                 <a:ea typeface="+mj-ea"/>
                 <a:cs typeface="+mj-cs"/>
               </a:rPr>
-              <a:t>Functional Requirements</a:t>
+              <a:t>Non- Functional Requirements</a:t>
             </a:r>
             <a:endParaRPr lang="en-US" sz="600" b="1" dirty="0"/>
           </a:p>
@@ -27151,7 +27151,7 @@
                 <a:ea typeface="+mj-ea"/>
                 <a:cs typeface="+mj-cs"/>
               </a:rPr>
-              <a:t>Non-Functional </a:t>
+              <a:t>Functional </a:t>
             </a:r>
             <a:r>
               <a:rPr kumimoji="0" lang="en-US" sz="4400" b="1" i="0" u="none" strike="noStrike" kern="1200" cap="all" spc="0" normalizeH="0" baseline="0" noProof="0" dirty="0">
@@ -28548,20 +28548,20 @@
 </file>
 
 <file path=customXml/item1.xml><?xml version="1.0" encoding="utf-8"?>
+<p:properties xmlns:p="http://schemas.microsoft.com/office/2006/metadata/properties" xmlns:xsi="http://www.w3.org/2001/XMLSchema-instance" xmlns:pc="http://schemas.microsoft.com/office/infopath/2007/PartnerControls">
+  <documentManagement>
+    <MediaServiceKeyPoints xmlns="71af3243-3dd4-4a8d-8c0d-dd76da1f02a5" xsi:nil="true"/>
+  </documentManagement>
+</p:properties>
+</file>
+
+<file path=customXml/item2.xml><?xml version="1.0" encoding="utf-8"?>
 <?mso-contentType ?>
 <FormTemplates xmlns="http://schemas.microsoft.com/sharepoint/v3/contenttype/forms">
   <Display>DocumentLibraryForm</Display>
   <Edit>DocumentLibraryForm</Edit>
   <New>DocumentLibraryForm</New>
 </FormTemplates>
-</file>
-
-<file path=customXml/item2.xml><?xml version="1.0" encoding="utf-8"?>
-<p:properties xmlns:p="http://schemas.microsoft.com/office/2006/metadata/properties" xmlns:xsi="http://www.w3.org/2001/XMLSchema-instance" xmlns:pc="http://schemas.microsoft.com/office/infopath/2007/PartnerControls">
-  <documentManagement>
-    <MediaServiceKeyPoints xmlns="71af3243-3dd4-4a8d-8c0d-dd76da1f02a5" xsi:nil="true"/>
-  </documentManagement>
-</p:properties>
 </file>
 
 <file path=customXml/item3.xml><?xml version="1.0" encoding="utf-8"?>
@@ -28776,19 +28776,19 @@
 </file>
 
 <file path=customXml/itemProps1.xml><?xml version="1.0" encoding="utf-8"?>
-<ds:datastoreItem xmlns:ds="http://schemas.openxmlformats.org/officeDocument/2006/customXml" ds:itemID="{B579702B-25C7-40D7-9E29-7686B11A9660}">
+<ds:datastoreItem xmlns:ds="http://schemas.openxmlformats.org/officeDocument/2006/customXml" ds:itemID="{E7866CFD-F94E-4AE5-ACEA-86FEC0F48A10}">
   <ds:schemaRefs>
-    <ds:schemaRef ds:uri="http://schemas.microsoft.com/sharepoint/v3/contenttype/forms"/>
+    <ds:schemaRef ds:uri="http://schemas.microsoft.com/office/2006/metadata/properties"/>
+    <ds:schemaRef ds:uri="http://schemas.microsoft.com/office/infopath/2007/PartnerControls"/>
+    <ds:schemaRef ds:uri="71af3243-3dd4-4a8d-8c0d-dd76da1f02a5"/>
   </ds:schemaRefs>
 </ds:datastoreItem>
 </file>
 
 <file path=customXml/itemProps2.xml><?xml version="1.0" encoding="utf-8"?>
-<ds:datastoreItem xmlns:ds="http://schemas.openxmlformats.org/officeDocument/2006/customXml" ds:itemID="{E7866CFD-F94E-4AE5-ACEA-86FEC0F48A10}">
+<ds:datastoreItem xmlns:ds="http://schemas.openxmlformats.org/officeDocument/2006/customXml" ds:itemID="{B579702B-25C7-40D7-9E29-7686B11A9660}">
   <ds:schemaRefs>
-    <ds:schemaRef ds:uri="http://schemas.microsoft.com/office/2006/metadata/properties"/>
-    <ds:schemaRef ds:uri="http://schemas.microsoft.com/office/infopath/2007/PartnerControls"/>
-    <ds:schemaRef ds:uri="71af3243-3dd4-4a8d-8c0d-dd76da1f02a5"/>
+    <ds:schemaRef ds:uri="http://schemas.microsoft.com/sharepoint/v3/contenttype/forms"/>
   </ds:schemaRefs>
 </ds:datastoreItem>
 </file>
